--- a/Кейс для бизнес-аналитика Андриянов Арсений.pptx
+++ b/Кейс для бизнес-аналитика Андриянов Арсений.pptx
@@ -5,7 +5,7 @@
     <p:sldMasterId id="2147483648" r:id="rId1"/>
   </p:sldMasterIdLst>
   <p:notesMasterIdLst>
-    <p:notesMasterId r:id="rId37"/>
+    <p:notesMasterId r:id="rId36"/>
   </p:notesMasterIdLst>
   <p:sldIdLst>
     <p:sldId id="256" r:id="rId2"/>
@@ -39,10 +39,9 @@
     <p:sldId id="296" r:id="rId30"/>
     <p:sldId id="295" r:id="rId31"/>
     <p:sldId id="263" r:id="rId32"/>
-    <p:sldId id="282" r:id="rId33"/>
-    <p:sldId id="259" r:id="rId34"/>
-    <p:sldId id="264" r:id="rId35"/>
-    <p:sldId id="281" r:id="rId36"/>
+    <p:sldId id="259" r:id="rId33"/>
+    <p:sldId id="264" r:id="rId34"/>
+    <p:sldId id="281" r:id="rId35"/>
   </p:sldIdLst>
   <p:sldSz cx="12192000" cy="6858000"/>
   <p:notesSz cx="6858000" cy="9144000"/>
@@ -177,7 +176,6 @@
             <p14:sldId id="296"/>
             <p14:sldId id="295"/>
             <p14:sldId id="263"/>
-            <p14:sldId id="282"/>
             <p14:sldId id="259"/>
             <p14:sldId id="264"/>
             <p14:sldId id="281"/>
@@ -8346,13 +8344,7 @@
   <p:cSld>
     <p:spTree>
       <p:nvGrpSpPr>
-        <p:cNvPr id="1" name="">
-          <a:extLst>
-            <a:ext uri="{FF2B5EF4-FFF2-40B4-BE49-F238E27FC236}">
-              <a16:creationId xmlns:a16="http://schemas.microsoft.com/office/drawing/2014/main" id="{12409828-AB09-A711-FFDA-740017005789}"/>
-            </a:ext>
-          </a:extLst>
-        </p:cNvPr>
+        <p:cNvPr id="1" name=""/>
         <p:cNvGrpSpPr/>
         <p:nvPr/>
       </p:nvGrpSpPr>
@@ -8369,7 +8361,7 @@
           <p:cNvPr id="2" name="Заголовок 1">
             <a:extLst>
               <a:ext uri="{FF2B5EF4-FFF2-40B4-BE49-F238E27FC236}">
-                <a16:creationId xmlns:a16="http://schemas.microsoft.com/office/drawing/2014/main" id="{6203A63A-4524-7D4A-2E13-F7807B3F72AA}"/>
+                <a16:creationId xmlns:a16="http://schemas.microsoft.com/office/drawing/2014/main" id="{655E0102-0C5A-0D71-7F13-C82F84AB05F1}"/>
               </a:ext>
             </a:extLst>
           </p:cNvPr>
@@ -8382,36 +8374,24 @@
         </p:nvSpPr>
         <p:spPr/>
         <p:txBody>
-          <a:bodyPr>
-            <a:noAutofit/>
-          </a:bodyPr>
+          <a:bodyPr/>
           <a:lstStyle/>
           <a:p>
             <a:r>
               <a:rPr lang="ru-RU" dirty="0">
                 <a:latin typeface="Cygre Medium" panose="02000603000000000000" pitchFamily="2" charset="-52"/>
               </a:rPr>
-              <a:t>Н</a:t>
-            </a:r>
-            <a:r>
-              <a:rPr lang="ru-RU" b="0" i="0" dirty="0">
-                <a:effectLst/>
-                <a:latin typeface="Cygre Medium" panose="02000603000000000000" pitchFamily="2" charset="-52"/>
-              </a:rPr>
-              <a:t>абор статусов и переходов жизненного цикла задачи</a:t>
-            </a:r>
-            <a:endParaRPr lang="ru-RU" dirty="0">
-              <a:latin typeface="Cygre Medium" panose="02000603000000000000" pitchFamily="2" charset="-52"/>
-            </a:endParaRPr>
+              <a:t>Интерфейс мобильного приложения</a:t>
+            </a:r>
           </a:p>
         </p:txBody>
       </p:sp>
       <p:pic>
         <p:nvPicPr>
-          <p:cNvPr id="5" name="Объект 4">
-            <a:extLst>
-              <a:ext uri="{FF2B5EF4-FFF2-40B4-BE49-F238E27FC236}">
-                <a16:creationId xmlns:a16="http://schemas.microsoft.com/office/drawing/2014/main" id="{58E2B3D0-879A-86F7-A69F-6DD778A7E81A}"/>
+          <p:cNvPr id="11" name="Объект 10">
+            <a:extLst>
+              <a:ext uri="{FF2B5EF4-FFF2-40B4-BE49-F238E27FC236}">
+                <a16:creationId xmlns:a16="http://schemas.microsoft.com/office/drawing/2014/main" id="{94952940-0FA1-7093-18B3-BCD15A9E40AB}"/>
               </a:ext>
             </a:extLst>
           </p:cNvPr>
@@ -8436,15 +8416,15 @@
         </p:blipFill>
         <p:spPr>
           <a:xfrm>
-            <a:off x="1984952" y="1815897"/>
-            <a:ext cx="7735712" cy="4351338"/>
+            <a:off x="2424559" y="1825625"/>
+            <a:ext cx="7342882" cy="4351338"/>
           </a:xfrm>
         </p:spPr>
       </p:pic>
     </p:spTree>
     <p:extLst>
       <p:ext uri="{BB962C8B-B14F-4D97-AF65-F5344CB8AC3E}">
-        <p14:creationId xmlns:p14="http://schemas.microsoft.com/office/powerpoint/2010/main" val="2162992761"/>
+        <p14:creationId xmlns:p14="http://schemas.microsoft.com/office/powerpoint/2010/main" val="1830281357"/>
       </p:ext>
     </p:extLst>
   </p:cSld>
@@ -8476,101 +8456,6 @@
           <p:cNvPr id="2" name="Заголовок 1">
             <a:extLst>
               <a:ext uri="{FF2B5EF4-FFF2-40B4-BE49-F238E27FC236}">
-                <a16:creationId xmlns:a16="http://schemas.microsoft.com/office/drawing/2014/main" id="{655E0102-0C5A-0D71-7F13-C82F84AB05F1}"/>
-              </a:ext>
-            </a:extLst>
-          </p:cNvPr>
-          <p:cNvSpPr>
-            <a:spLocks noGrp="1"/>
-          </p:cNvSpPr>
-          <p:nvPr>
-            <p:ph type="title"/>
-          </p:nvPr>
-        </p:nvSpPr>
-        <p:spPr/>
-        <p:txBody>
-          <a:bodyPr/>
-          <a:lstStyle/>
-          <a:p>
-            <a:r>
-              <a:rPr lang="ru-RU" dirty="0">
-                <a:latin typeface="Cygre Medium" panose="02000603000000000000" pitchFamily="2" charset="-52"/>
-              </a:rPr>
-              <a:t>Интерфейс мобильного приложения</a:t>
-            </a:r>
-          </a:p>
-        </p:txBody>
-      </p:sp>
-      <p:pic>
-        <p:nvPicPr>
-          <p:cNvPr id="11" name="Объект 10">
-            <a:extLst>
-              <a:ext uri="{FF2B5EF4-FFF2-40B4-BE49-F238E27FC236}">
-                <a16:creationId xmlns:a16="http://schemas.microsoft.com/office/drawing/2014/main" id="{94952940-0FA1-7093-18B3-BCD15A9E40AB}"/>
-              </a:ext>
-            </a:extLst>
-          </p:cNvPr>
-          <p:cNvPicPr>
-            <a:picLocks noGrp="1" noChangeAspect="1"/>
-          </p:cNvPicPr>
-          <p:nvPr>
-            <p:ph idx="1"/>
-          </p:nvPr>
-        </p:nvPicPr>
-        <p:blipFill>
-          <a:blip r:embed="rId2">
-            <a:extLst>
-              <a:ext uri="{28A0092B-C50C-407E-A947-70E740481C1C}">
-                <a14:useLocalDpi xmlns:a14="http://schemas.microsoft.com/office/drawing/2010/main" val="0"/>
-              </a:ext>
-            </a:extLst>
-          </a:blip>
-          <a:stretch>
-            <a:fillRect/>
-          </a:stretch>
-        </p:blipFill>
-        <p:spPr>
-          <a:xfrm>
-            <a:off x="2424559" y="1825625"/>
-            <a:ext cx="7342882" cy="4351338"/>
-          </a:xfrm>
-        </p:spPr>
-      </p:pic>
-    </p:spTree>
-    <p:extLst>
-      <p:ext uri="{BB962C8B-B14F-4D97-AF65-F5344CB8AC3E}">
-        <p14:creationId xmlns:p14="http://schemas.microsoft.com/office/powerpoint/2010/main" val="1830281357"/>
-      </p:ext>
-    </p:extLst>
-  </p:cSld>
-  <p:clrMapOvr>
-    <a:masterClrMapping/>
-  </p:clrMapOvr>
-</p:sld>
-</file>
-
-<file path=ppt/slides/slide34.xml><?xml version="1.0" encoding="utf-8"?>
-<p:sld xmlns:a="http://schemas.openxmlformats.org/drawingml/2006/main" xmlns:r="http://schemas.openxmlformats.org/officeDocument/2006/relationships" xmlns:p="http://schemas.openxmlformats.org/presentationml/2006/main">
-  <p:cSld>
-    <p:spTree>
-      <p:nvGrpSpPr>
-        <p:cNvPr id="1" name=""/>
-        <p:cNvGrpSpPr/>
-        <p:nvPr/>
-      </p:nvGrpSpPr>
-      <p:grpSpPr>
-        <a:xfrm>
-          <a:off x="0" y="0"/>
-          <a:ext cx="0" cy="0"/>
-          <a:chOff x="0" y="0"/>
-          <a:chExt cx="0" cy="0"/>
-        </a:xfrm>
-      </p:grpSpPr>
-      <p:sp>
-        <p:nvSpPr>
-          <p:cNvPr id="2" name="Заголовок 1">
-            <a:extLst>
-              <a:ext uri="{FF2B5EF4-FFF2-40B4-BE49-F238E27FC236}">
                 <a16:creationId xmlns:a16="http://schemas.microsoft.com/office/drawing/2014/main" id="{93759FE8-7AF3-54BF-96F0-8DDAF6E98D0F}"/>
               </a:ext>
             </a:extLst>
@@ -8772,7 +8657,7 @@
 </p:sld>
 </file>
 
-<file path=ppt/slides/slide35.xml><?xml version="1.0" encoding="utf-8"?>
+<file path=ppt/slides/slide34.xml><?xml version="1.0" encoding="utf-8"?>
 <p:sld xmlns:a="http://schemas.openxmlformats.org/drawingml/2006/main" xmlns:r="http://schemas.openxmlformats.org/officeDocument/2006/relationships" xmlns:p="http://schemas.openxmlformats.org/presentationml/2006/main">
   <p:cSld>
     <p:spTree>
